--- a/Estados.pptx
+++ b/Estados.pptx
@@ -241,7 +241,7 @@
           <a:p>
             <a:fld id="{9C2042A1-6B72-46CF-8FD1-87CD61DCB12C}" type="datetimeFigureOut">
               <a:rPr lang="pt-BR" smtClean="0"/>
-              <a:t>09/12/2016</a:t>
+              <a:t>14/12/2016</a:t>
             </a:fld>
             <a:endParaRPr lang="pt-BR"/>
           </a:p>
@@ -409,7 +409,7 @@
           <a:p>
             <a:fld id="{9C2042A1-6B72-46CF-8FD1-87CD61DCB12C}" type="datetimeFigureOut">
               <a:rPr lang="pt-BR" smtClean="0"/>
-              <a:t>09/12/2016</a:t>
+              <a:t>14/12/2016</a:t>
             </a:fld>
             <a:endParaRPr lang="pt-BR"/>
           </a:p>
@@ -587,7 +587,7 @@
           <a:p>
             <a:fld id="{9C2042A1-6B72-46CF-8FD1-87CD61DCB12C}" type="datetimeFigureOut">
               <a:rPr lang="pt-BR" smtClean="0"/>
-              <a:t>09/12/2016</a:t>
+              <a:t>14/12/2016</a:t>
             </a:fld>
             <a:endParaRPr lang="pt-BR"/>
           </a:p>
@@ -755,7 +755,7 @@
           <a:p>
             <a:fld id="{9C2042A1-6B72-46CF-8FD1-87CD61DCB12C}" type="datetimeFigureOut">
               <a:rPr lang="pt-BR" smtClean="0"/>
-              <a:t>09/12/2016</a:t>
+              <a:t>14/12/2016</a:t>
             </a:fld>
             <a:endParaRPr lang="pt-BR"/>
           </a:p>
@@ -1000,7 +1000,7 @@
           <a:p>
             <a:fld id="{9C2042A1-6B72-46CF-8FD1-87CD61DCB12C}" type="datetimeFigureOut">
               <a:rPr lang="pt-BR" smtClean="0"/>
-              <a:t>09/12/2016</a:t>
+              <a:t>14/12/2016</a:t>
             </a:fld>
             <a:endParaRPr lang="pt-BR"/>
           </a:p>
@@ -1229,7 +1229,7 @@
           <a:p>
             <a:fld id="{9C2042A1-6B72-46CF-8FD1-87CD61DCB12C}" type="datetimeFigureOut">
               <a:rPr lang="pt-BR" smtClean="0"/>
-              <a:t>09/12/2016</a:t>
+              <a:t>14/12/2016</a:t>
             </a:fld>
             <a:endParaRPr lang="pt-BR"/>
           </a:p>
@@ -1593,7 +1593,7 @@
           <a:p>
             <a:fld id="{9C2042A1-6B72-46CF-8FD1-87CD61DCB12C}" type="datetimeFigureOut">
               <a:rPr lang="pt-BR" smtClean="0"/>
-              <a:t>09/12/2016</a:t>
+              <a:t>14/12/2016</a:t>
             </a:fld>
             <a:endParaRPr lang="pt-BR"/>
           </a:p>
@@ -1710,7 +1710,7 @@
           <a:p>
             <a:fld id="{9C2042A1-6B72-46CF-8FD1-87CD61DCB12C}" type="datetimeFigureOut">
               <a:rPr lang="pt-BR" smtClean="0"/>
-              <a:t>09/12/2016</a:t>
+              <a:t>14/12/2016</a:t>
             </a:fld>
             <a:endParaRPr lang="pt-BR"/>
           </a:p>
@@ -1805,7 +1805,7 @@
           <a:p>
             <a:fld id="{9C2042A1-6B72-46CF-8FD1-87CD61DCB12C}" type="datetimeFigureOut">
               <a:rPr lang="pt-BR" smtClean="0"/>
-              <a:t>09/12/2016</a:t>
+              <a:t>14/12/2016</a:t>
             </a:fld>
             <a:endParaRPr lang="pt-BR"/>
           </a:p>
@@ -2080,7 +2080,7 @@
           <a:p>
             <a:fld id="{9C2042A1-6B72-46CF-8FD1-87CD61DCB12C}" type="datetimeFigureOut">
               <a:rPr lang="pt-BR" smtClean="0"/>
-              <a:t>09/12/2016</a:t>
+              <a:t>14/12/2016</a:t>
             </a:fld>
             <a:endParaRPr lang="pt-BR"/>
           </a:p>
@@ -2332,7 +2332,7 @@
           <a:p>
             <a:fld id="{9C2042A1-6B72-46CF-8FD1-87CD61DCB12C}" type="datetimeFigureOut">
               <a:rPr lang="pt-BR" smtClean="0"/>
-              <a:t>09/12/2016</a:t>
+              <a:t>14/12/2016</a:t>
             </a:fld>
             <a:endParaRPr lang="pt-BR"/>
           </a:p>
@@ -2543,7 +2543,7 @@
           <a:p>
             <a:fld id="{9C2042A1-6B72-46CF-8FD1-87CD61DCB12C}" type="datetimeFigureOut">
               <a:rPr lang="pt-BR" smtClean="0"/>
-              <a:t>09/12/2016</a:t>
+              <a:t>14/12/2016</a:t>
             </a:fld>
             <a:endParaRPr lang="pt-BR"/>
           </a:p>
@@ -3692,42 +3692,6 @@
           </a:fontRef>
         </p:style>
       </p:cxnSp>
-      <p:cxnSp>
-        <p:nvCxnSpPr>
-          <p:cNvPr id="37" name="Conector de Seta Reta 36"/>
-          <p:cNvCxnSpPr>
-            <a:stCxn id="8" idx="0"/>
-            <a:endCxn id="4" idx="6"/>
-          </p:cNvCxnSpPr>
-          <p:nvPr/>
-        </p:nvCxnSpPr>
-        <p:spPr>
-          <a:xfrm flipH="1" flipV="1">
-            <a:off x="5443230" y="1120435"/>
-            <a:ext cx="3255998" cy="850299"/>
-          </a:xfrm>
-          <a:prstGeom prst="straightConnector1">
-            <a:avLst/>
-          </a:prstGeom>
-          <a:ln>
-            <a:tailEnd type="triangle"/>
-          </a:ln>
-        </p:spPr>
-        <p:style>
-          <a:lnRef idx="1">
-            <a:schemeClr val="accent1"/>
-          </a:lnRef>
-          <a:fillRef idx="0">
-            <a:schemeClr val="accent1"/>
-          </a:fillRef>
-          <a:effectRef idx="0">
-            <a:schemeClr val="accent1"/>
-          </a:effectRef>
-          <a:fontRef idx="minor">
-            <a:schemeClr val="tx1"/>
-          </a:fontRef>
-        </p:style>
-      </p:cxnSp>
       <p:sp>
         <p:nvSpPr>
           <p:cNvPr id="38" name="CaixaDeTexto 37"/>
@@ -3836,35 +3800,6 @@
         </p:spPr>
         <p:txBody>
           <a:bodyPr wrap="square" rtlCol="0">
-            <a:spAutoFit/>
-          </a:bodyPr>
-          <a:lstStyle/>
-          <a:p>
-            <a:r>
-              <a:rPr lang="en-US" sz="1000" dirty="0"/>
-              <a:t>Enemy-&gt;Dead</a:t>
-            </a:r>
-            <a:endParaRPr lang="pt-BR" sz="1000" dirty="0"/>
-          </a:p>
-        </p:txBody>
-      </p:sp>
-      <p:sp>
-        <p:nvSpPr>
-          <p:cNvPr id="43" name="Retângulo 42"/>
-          <p:cNvSpPr/>
-          <p:nvPr/>
-        </p:nvSpPr>
-        <p:spPr>
-          <a:xfrm rot="918679">
-            <a:off x="6079016" y="1136769"/>
-            <a:ext cx="912429" cy="246221"/>
-          </a:xfrm>
-          <a:prstGeom prst="rect">
-            <a:avLst/>
-          </a:prstGeom>
-        </p:spPr>
-        <p:txBody>
-          <a:bodyPr wrap="none">
             <a:spAutoFit/>
           </a:bodyPr>
           <a:lstStyle/>

--- a/Estados.pptx
+++ b/Estados.pptx
@@ -241,7 +241,7 @@
           <a:p>
             <a:fld id="{9C2042A1-6B72-46CF-8FD1-87CD61DCB12C}" type="datetimeFigureOut">
               <a:rPr lang="pt-BR" smtClean="0"/>
-              <a:t>14/12/2016</a:t>
+              <a:t>15/12/2016</a:t>
             </a:fld>
             <a:endParaRPr lang="pt-BR"/>
           </a:p>
@@ -409,7 +409,7 @@
           <a:p>
             <a:fld id="{9C2042A1-6B72-46CF-8FD1-87CD61DCB12C}" type="datetimeFigureOut">
               <a:rPr lang="pt-BR" smtClean="0"/>
-              <a:t>14/12/2016</a:t>
+              <a:t>15/12/2016</a:t>
             </a:fld>
             <a:endParaRPr lang="pt-BR"/>
           </a:p>
@@ -587,7 +587,7 @@
           <a:p>
             <a:fld id="{9C2042A1-6B72-46CF-8FD1-87CD61DCB12C}" type="datetimeFigureOut">
               <a:rPr lang="pt-BR" smtClean="0"/>
-              <a:t>14/12/2016</a:t>
+              <a:t>15/12/2016</a:t>
             </a:fld>
             <a:endParaRPr lang="pt-BR"/>
           </a:p>
@@ -755,7 +755,7 @@
           <a:p>
             <a:fld id="{9C2042A1-6B72-46CF-8FD1-87CD61DCB12C}" type="datetimeFigureOut">
               <a:rPr lang="pt-BR" smtClean="0"/>
-              <a:t>14/12/2016</a:t>
+              <a:t>15/12/2016</a:t>
             </a:fld>
             <a:endParaRPr lang="pt-BR"/>
           </a:p>
@@ -1000,7 +1000,7 @@
           <a:p>
             <a:fld id="{9C2042A1-6B72-46CF-8FD1-87CD61DCB12C}" type="datetimeFigureOut">
               <a:rPr lang="pt-BR" smtClean="0"/>
-              <a:t>14/12/2016</a:t>
+              <a:t>15/12/2016</a:t>
             </a:fld>
             <a:endParaRPr lang="pt-BR"/>
           </a:p>
@@ -1229,7 +1229,7 @@
           <a:p>
             <a:fld id="{9C2042A1-6B72-46CF-8FD1-87CD61DCB12C}" type="datetimeFigureOut">
               <a:rPr lang="pt-BR" smtClean="0"/>
-              <a:t>14/12/2016</a:t>
+              <a:t>15/12/2016</a:t>
             </a:fld>
             <a:endParaRPr lang="pt-BR"/>
           </a:p>
@@ -1593,7 +1593,7 @@
           <a:p>
             <a:fld id="{9C2042A1-6B72-46CF-8FD1-87CD61DCB12C}" type="datetimeFigureOut">
               <a:rPr lang="pt-BR" smtClean="0"/>
-              <a:t>14/12/2016</a:t>
+              <a:t>15/12/2016</a:t>
             </a:fld>
             <a:endParaRPr lang="pt-BR"/>
           </a:p>
@@ -1710,7 +1710,7 @@
           <a:p>
             <a:fld id="{9C2042A1-6B72-46CF-8FD1-87CD61DCB12C}" type="datetimeFigureOut">
               <a:rPr lang="pt-BR" smtClean="0"/>
-              <a:t>14/12/2016</a:t>
+              <a:t>15/12/2016</a:t>
             </a:fld>
             <a:endParaRPr lang="pt-BR"/>
           </a:p>
@@ -1805,7 +1805,7 @@
           <a:p>
             <a:fld id="{9C2042A1-6B72-46CF-8FD1-87CD61DCB12C}" type="datetimeFigureOut">
               <a:rPr lang="pt-BR" smtClean="0"/>
-              <a:t>14/12/2016</a:t>
+              <a:t>15/12/2016</a:t>
             </a:fld>
             <a:endParaRPr lang="pt-BR"/>
           </a:p>
@@ -2080,7 +2080,7 @@
           <a:p>
             <a:fld id="{9C2042A1-6B72-46CF-8FD1-87CD61DCB12C}" type="datetimeFigureOut">
               <a:rPr lang="pt-BR" smtClean="0"/>
-              <a:t>14/12/2016</a:t>
+              <a:t>15/12/2016</a:t>
             </a:fld>
             <a:endParaRPr lang="pt-BR"/>
           </a:p>
@@ -2332,7 +2332,7 @@
           <a:p>
             <a:fld id="{9C2042A1-6B72-46CF-8FD1-87CD61DCB12C}" type="datetimeFigureOut">
               <a:rPr lang="pt-BR" smtClean="0"/>
-              <a:t>14/12/2016</a:t>
+              <a:t>15/12/2016</a:t>
             </a:fld>
             <a:endParaRPr lang="pt-BR"/>
           </a:p>
@@ -2543,7 +2543,7 @@
           <a:p>
             <a:fld id="{9C2042A1-6B72-46CF-8FD1-87CD61DCB12C}" type="datetimeFigureOut">
               <a:rPr lang="pt-BR" smtClean="0"/>
-              <a:t>14/12/2016</a:t>
+              <a:t>15/12/2016</a:t>
             </a:fld>
             <a:endParaRPr lang="pt-BR"/>
           </a:p>

--- a/Estados.pptx
+++ b/Estados.pptx
@@ -241,7 +241,7 @@
           <a:p>
             <a:fld id="{9C2042A1-6B72-46CF-8FD1-87CD61DCB12C}" type="datetimeFigureOut">
               <a:rPr lang="pt-BR" smtClean="0"/>
-              <a:t>15/12/2016</a:t>
+              <a:t>16/12/2016</a:t>
             </a:fld>
             <a:endParaRPr lang="pt-BR"/>
           </a:p>
@@ -409,7 +409,7 @@
           <a:p>
             <a:fld id="{9C2042A1-6B72-46CF-8FD1-87CD61DCB12C}" type="datetimeFigureOut">
               <a:rPr lang="pt-BR" smtClean="0"/>
-              <a:t>15/12/2016</a:t>
+              <a:t>16/12/2016</a:t>
             </a:fld>
             <a:endParaRPr lang="pt-BR"/>
           </a:p>
@@ -587,7 +587,7 @@
           <a:p>
             <a:fld id="{9C2042A1-6B72-46CF-8FD1-87CD61DCB12C}" type="datetimeFigureOut">
               <a:rPr lang="pt-BR" smtClean="0"/>
-              <a:t>15/12/2016</a:t>
+              <a:t>16/12/2016</a:t>
             </a:fld>
             <a:endParaRPr lang="pt-BR"/>
           </a:p>
@@ -755,7 +755,7 @@
           <a:p>
             <a:fld id="{9C2042A1-6B72-46CF-8FD1-87CD61DCB12C}" type="datetimeFigureOut">
               <a:rPr lang="pt-BR" smtClean="0"/>
-              <a:t>15/12/2016</a:t>
+              <a:t>16/12/2016</a:t>
             </a:fld>
             <a:endParaRPr lang="pt-BR"/>
           </a:p>
@@ -1000,7 +1000,7 @@
           <a:p>
             <a:fld id="{9C2042A1-6B72-46CF-8FD1-87CD61DCB12C}" type="datetimeFigureOut">
               <a:rPr lang="pt-BR" smtClean="0"/>
-              <a:t>15/12/2016</a:t>
+              <a:t>16/12/2016</a:t>
             </a:fld>
             <a:endParaRPr lang="pt-BR"/>
           </a:p>
@@ -1229,7 +1229,7 @@
           <a:p>
             <a:fld id="{9C2042A1-6B72-46CF-8FD1-87CD61DCB12C}" type="datetimeFigureOut">
               <a:rPr lang="pt-BR" smtClean="0"/>
-              <a:t>15/12/2016</a:t>
+              <a:t>16/12/2016</a:t>
             </a:fld>
             <a:endParaRPr lang="pt-BR"/>
           </a:p>
@@ -1593,7 +1593,7 @@
           <a:p>
             <a:fld id="{9C2042A1-6B72-46CF-8FD1-87CD61DCB12C}" type="datetimeFigureOut">
               <a:rPr lang="pt-BR" smtClean="0"/>
-              <a:t>15/12/2016</a:t>
+              <a:t>16/12/2016</a:t>
             </a:fld>
             <a:endParaRPr lang="pt-BR"/>
           </a:p>
@@ -1710,7 +1710,7 @@
           <a:p>
             <a:fld id="{9C2042A1-6B72-46CF-8FD1-87CD61DCB12C}" type="datetimeFigureOut">
               <a:rPr lang="pt-BR" smtClean="0"/>
-              <a:t>15/12/2016</a:t>
+              <a:t>16/12/2016</a:t>
             </a:fld>
             <a:endParaRPr lang="pt-BR"/>
           </a:p>
@@ -1805,7 +1805,7 @@
           <a:p>
             <a:fld id="{9C2042A1-6B72-46CF-8FD1-87CD61DCB12C}" type="datetimeFigureOut">
               <a:rPr lang="pt-BR" smtClean="0"/>
-              <a:t>15/12/2016</a:t>
+              <a:t>16/12/2016</a:t>
             </a:fld>
             <a:endParaRPr lang="pt-BR"/>
           </a:p>
@@ -2080,7 +2080,7 @@
           <a:p>
             <a:fld id="{9C2042A1-6B72-46CF-8FD1-87CD61DCB12C}" type="datetimeFigureOut">
               <a:rPr lang="pt-BR" smtClean="0"/>
-              <a:t>15/12/2016</a:t>
+              <a:t>16/12/2016</a:t>
             </a:fld>
             <a:endParaRPr lang="pt-BR"/>
           </a:p>
@@ -2332,7 +2332,7 @@
           <a:p>
             <a:fld id="{9C2042A1-6B72-46CF-8FD1-87CD61DCB12C}" type="datetimeFigureOut">
               <a:rPr lang="pt-BR" smtClean="0"/>
-              <a:t>15/12/2016</a:t>
+              <a:t>16/12/2016</a:t>
             </a:fld>
             <a:endParaRPr lang="pt-BR"/>
           </a:p>
@@ -2543,7 +2543,7 @@
           <a:p>
             <a:fld id="{9C2042A1-6B72-46CF-8FD1-87CD61DCB12C}" type="datetimeFigureOut">
               <a:rPr lang="pt-BR" smtClean="0"/>
-              <a:t>15/12/2016</a:t>
+              <a:t>16/12/2016</a:t>
             </a:fld>
             <a:endParaRPr lang="pt-BR"/>
           </a:p>
@@ -3142,7 +3142,7 @@
         </p:nvSpPr>
         <p:spPr>
           <a:xfrm>
-            <a:off x="2996982" y="3934276"/>
+            <a:off x="2973597" y="4724622"/>
             <a:ext cx="1155101" cy="953644"/>
           </a:xfrm>
           <a:prstGeom prst="ellipse">
@@ -3451,7 +3451,7 @@
         <p:spPr>
           <a:xfrm>
             <a:off x="2659805" y="3068277"/>
-            <a:ext cx="506338" cy="1005657"/>
+            <a:ext cx="482953" cy="1796003"/>
           </a:xfrm>
           <a:prstGeom prst="straightConnector1">
             <a:avLst/>
@@ -3517,14 +3517,14 @@
           <p:cNvPr id="25" name="Conector de Seta Reta 24"/>
           <p:cNvCxnSpPr>
             <a:stCxn id="7" idx="6"/>
-            <a:endCxn id="8" idx="2"/>
+            <a:endCxn id="26" idx="3"/>
           </p:cNvCxnSpPr>
           <p:nvPr/>
         </p:nvCxnSpPr>
         <p:spPr>
-          <a:xfrm flipV="1">
-            <a:off x="4152083" y="2519506"/>
-            <a:ext cx="3828967" cy="1891592"/>
+          <a:xfrm>
+            <a:off x="4128698" y="5201444"/>
+            <a:ext cx="6273922" cy="1372223"/>
           </a:xfrm>
           <a:prstGeom prst="straightConnector1">
             <a:avLst/>
@@ -3560,7 +3560,7 @@
         <p:spPr>
           <a:xfrm flipH="1" flipV="1">
             <a:off x="3098026" y="2920094"/>
-            <a:ext cx="476507" cy="1014182"/>
+            <a:ext cx="453122" cy="1804528"/>
           </a:xfrm>
           <a:prstGeom prst="straightConnector1">
             <a:avLst/>
@@ -3699,9 +3699,9 @@
           <p:nvPr/>
         </p:nvSpPr>
         <p:spPr>
-          <a:xfrm rot="20100693">
-            <a:off x="4161177" y="3840271"/>
-            <a:ext cx="1187643" cy="246221"/>
+          <a:xfrm rot="788871">
+            <a:off x="4894298" y="5690022"/>
+            <a:ext cx="5146988" cy="246221"/>
           </a:xfrm>
           <a:prstGeom prst="rect">
             <a:avLst/>
@@ -3716,7 +3716,19 @@
           <a:p>
             <a:r>
               <a:rPr lang="en-US" sz="1000" dirty="0"/>
-              <a:t>Enemy-&gt;Reversal</a:t>
+              <a:t>Enemy-&gt;Reversal &amp;&amp; Enemy-&gt;</a:t>
+            </a:r>
+            <a:r>
+              <a:rPr lang="en-US" sz="1000" dirty="0" err="1"/>
+              <a:t>ActiveFrames</a:t>
+            </a:r>
+            <a:r>
+              <a:rPr lang="en-US" sz="1000" dirty="0"/>
+              <a:t> &amp;&amp; </a:t>
+            </a:r>
+            <a:r>
+              <a:rPr lang="en-US" sz="1000" dirty="0" err="1"/>
+              <a:t>ActiveFrames</a:t>
             </a:r>
             <a:endParaRPr lang="pt-BR" sz="1000" dirty="0"/>
           </a:p>
@@ -3759,9 +3771,9 @@
           <p:nvPr/>
         </p:nvSpPr>
         <p:spPr>
-          <a:xfrm rot="3853047">
-            <a:off x="2732730" y="3520375"/>
-            <a:ext cx="1744079" cy="246221"/>
+          <a:xfrm rot="4522763">
+            <a:off x="2631660" y="3706111"/>
+            <a:ext cx="1725947" cy="246221"/>
           </a:xfrm>
           <a:prstGeom prst="rect">
             <a:avLst/>
@@ -3910,6 +3922,276 @@
             <a:r>
               <a:rPr lang="en-US" sz="1000" dirty="0"/>
               <a:t>Enemy-&gt;Attack</a:t>
+            </a:r>
+            <a:endParaRPr lang="pt-BR" sz="1000" dirty="0"/>
+          </a:p>
+        </p:txBody>
+      </p:sp>
+      <p:sp>
+        <p:nvSpPr>
+          <p:cNvPr id="26" name="Elipse 25"/>
+          <p:cNvSpPr/>
+          <p:nvPr/>
+        </p:nvSpPr>
+        <p:spPr>
+          <a:xfrm>
+            <a:off x="10184940" y="5476838"/>
+            <a:ext cx="1486415" cy="1285015"/>
+          </a:xfrm>
+          <a:prstGeom prst="ellipse">
+            <a:avLst/>
+          </a:prstGeom>
+          <a:solidFill>
+            <a:srgbClr val="5B9BD5">
+              <a:alpha val="30196"/>
+            </a:srgbClr>
+          </a:solidFill>
+        </p:spPr>
+        <p:style>
+          <a:lnRef idx="2">
+            <a:schemeClr val="accent1">
+              <a:shade val="50000"/>
+            </a:schemeClr>
+          </a:lnRef>
+          <a:fillRef idx="1">
+            <a:schemeClr val="accent1"/>
+          </a:fillRef>
+          <a:effectRef idx="0">
+            <a:schemeClr val="accent1"/>
+          </a:effectRef>
+          <a:fontRef idx="minor">
+            <a:schemeClr val="lt1"/>
+          </a:fontRef>
+        </p:style>
+        <p:txBody>
+          <a:bodyPr rtlCol="0" anchor="ctr"/>
+          <a:lstStyle/>
+          <a:p>
+            <a:pPr algn="ctr"/>
+            <a:r>
+              <a:rPr lang="en-US" dirty="0">
+                <a:solidFill>
+                  <a:schemeClr val="tx1"/>
+                </a:solidFill>
+              </a:rPr>
+              <a:t>Recovery</a:t>
+            </a:r>
+            <a:endParaRPr lang="pt-BR" dirty="0">
+              <a:solidFill>
+                <a:schemeClr val="tx1"/>
+              </a:solidFill>
+            </a:endParaRPr>
+          </a:p>
+        </p:txBody>
+      </p:sp>
+      <p:cxnSp>
+        <p:nvCxnSpPr>
+          <p:cNvPr id="3" name="Conector de Seta Reta 2"/>
+          <p:cNvCxnSpPr>
+            <a:stCxn id="9" idx="5"/>
+            <a:endCxn id="26" idx="2"/>
+          </p:cNvCxnSpPr>
+          <p:nvPr/>
+        </p:nvCxnSpPr>
+        <p:spPr>
+          <a:xfrm>
+            <a:off x="6811587" y="4982049"/>
+            <a:ext cx="3373353" cy="1137297"/>
+          </a:xfrm>
+          <a:prstGeom prst="straightConnector1">
+            <a:avLst/>
+          </a:prstGeom>
+          <a:ln>
+            <a:tailEnd type="triangle"/>
+          </a:ln>
+        </p:spPr>
+        <p:style>
+          <a:lnRef idx="1">
+            <a:schemeClr val="accent1"/>
+          </a:lnRef>
+          <a:fillRef idx="0">
+            <a:schemeClr val="accent1"/>
+          </a:fillRef>
+          <a:effectRef idx="0">
+            <a:schemeClr val="accent1"/>
+          </a:effectRef>
+          <a:fontRef idx="minor">
+            <a:schemeClr val="tx1"/>
+          </a:fontRef>
+        </p:style>
+      </p:cxnSp>
+      <p:cxnSp>
+        <p:nvCxnSpPr>
+          <p:cNvPr id="13" name="Conector de Seta Reta 12"/>
+          <p:cNvCxnSpPr>
+            <a:stCxn id="10" idx="5"/>
+            <a:endCxn id="26" idx="1"/>
+          </p:cNvCxnSpPr>
+          <p:nvPr/>
+        </p:nvCxnSpPr>
+        <p:spPr>
+          <a:xfrm>
+            <a:off x="9502127" y="5178561"/>
+            <a:ext cx="900493" cy="486463"/>
+          </a:xfrm>
+          <a:prstGeom prst="straightConnector1">
+            <a:avLst/>
+          </a:prstGeom>
+          <a:ln>
+            <a:tailEnd type="triangle"/>
+          </a:ln>
+        </p:spPr>
+        <p:style>
+          <a:lnRef idx="1">
+            <a:schemeClr val="accent1"/>
+          </a:lnRef>
+          <a:fillRef idx="0">
+            <a:schemeClr val="accent1"/>
+          </a:fillRef>
+          <a:effectRef idx="0">
+            <a:schemeClr val="accent1"/>
+          </a:effectRef>
+          <a:fontRef idx="minor">
+            <a:schemeClr val="tx1"/>
+          </a:fontRef>
+        </p:style>
+      </p:cxnSp>
+      <p:cxnSp>
+        <p:nvCxnSpPr>
+          <p:cNvPr id="17" name="Conector de Seta Reta 16"/>
+          <p:cNvCxnSpPr/>
+          <p:nvPr/>
+        </p:nvCxnSpPr>
+        <p:spPr>
+          <a:xfrm>
+            <a:off x="9431695" y="2512721"/>
+            <a:ext cx="1510743" cy="2957332"/>
+          </a:xfrm>
+          <a:prstGeom prst="straightConnector1">
+            <a:avLst/>
+          </a:prstGeom>
+          <a:ln>
+            <a:tailEnd type="triangle"/>
+          </a:ln>
+        </p:spPr>
+        <p:style>
+          <a:lnRef idx="1">
+            <a:schemeClr val="accent1"/>
+          </a:lnRef>
+          <a:fillRef idx="0">
+            <a:schemeClr val="accent1"/>
+          </a:fillRef>
+          <a:effectRef idx="0">
+            <a:schemeClr val="accent1"/>
+          </a:effectRef>
+          <a:fontRef idx="minor">
+            <a:schemeClr val="tx1"/>
+          </a:fontRef>
+        </p:style>
+      </p:cxnSp>
+      <p:cxnSp>
+        <p:nvCxnSpPr>
+          <p:cNvPr id="19" name="Conector de Seta Reta 18"/>
+          <p:cNvCxnSpPr>
+            <a:stCxn id="26" idx="7"/>
+            <a:endCxn id="8" idx="6"/>
+          </p:cNvCxnSpPr>
+          <p:nvPr/>
+        </p:nvCxnSpPr>
+        <p:spPr>
+          <a:xfrm flipH="1" flipV="1">
+            <a:off x="9417405" y="2519506"/>
+            <a:ext cx="2036270" cy="3145518"/>
+          </a:xfrm>
+          <a:prstGeom prst="straightConnector1">
+            <a:avLst/>
+          </a:prstGeom>
+          <a:ln>
+            <a:tailEnd type="triangle"/>
+          </a:ln>
+        </p:spPr>
+        <p:style>
+          <a:lnRef idx="1">
+            <a:schemeClr val="accent1"/>
+          </a:lnRef>
+          <a:fillRef idx="0">
+            <a:schemeClr val="accent1"/>
+          </a:fillRef>
+          <a:effectRef idx="0">
+            <a:schemeClr val="accent1"/>
+          </a:effectRef>
+          <a:fontRef idx="minor">
+            <a:schemeClr val="tx1"/>
+          </a:fontRef>
+        </p:style>
+      </p:cxnSp>
+      <p:sp>
+        <p:nvSpPr>
+          <p:cNvPr id="34" name="CaixaDeTexto 33"/>
+          <p:cNvSpPr txBox="1"/>
+          <p:nvPr/>
+        </p:nvSpPr>
+        <p:spPr>
+          <a:xfrm rot="3942344">
+            <a:off x="9659215" y="3990736"/>
+            <a:ext cx="989503" cy="246221"/>
+          </a:xfrm>
+          <a:prstGeom prst="rect">
+            <a:avLst/>
+          </a:prstGeom>
+          <a:noFill/>
+        </p:spPr>
+        <p:txBody>
+          <a:bodyPr wrap="square" rtlCol="0">
+            <a:spAutoFit/>
+          </a:bodyPr>
+          <a:lstStyle/>
+          <a:p>
+            <a:r>
+              <a:rPr lang="en-US" sz="1000" dirty="0"/>
+              <a:t>Enemy-&gt;Attack</a:t>
+            </a:r>
+            <a:endParaRPr lang="pt-BR" sz="1000" dirty="0"/>
+          </a:p>
+        </p:txBody>
+      </p:sp>
+      <p:sp>
+        <p:nvSpPr>
+          <p:cNvPr id="36" name="CaixaDeTexto 35"/>
+          <p:cNvSpPr txBox="1"/>
+          <p:nvPr/>
+        </p:nvSpPr>
+        <p:spPr>
+          <a:xfrm rot="1088655">
+            <a:off x="7000855" y="5437828"/>
+            <a:ext cx="4235709" cy="246221"/>
+          </a:xfrm>
+          <a:prstGeom prst="rect">
+            <a:avLst/>
+          </a:prstGeom>
+          <a:noFill/>
+        </p:spPr>
+        <p:txBody>
+          <a:bodyPr wrap="square" rtlCol="0">
+            <a:spAutoFit/>
+          </a:bodyPr>
+          <a:lstStyle/>
+          <a:p>
+            <a:r>
+              <a:rPr lang="en-US" sz="1000" dirty="0"/>
+              <a:t>Enemy-&gt;Attack &amp;&amp; Enemy-&gt;</a:t>
+            </a:r>
+            <a:r>
+              <a:rPr lang="en-US" sz="1000" dirty="0" err="1"/>
+              <a:t>ActiveFrames</a:t>
+            </a:r>
+            <a:r>
+              <a:rPr lang="en-US" sz="1000" dirty="0"/>
+              <a:t> &amp;&amp;!</a:t>
+            </a:r>
+            <a:r>
+              <a:rPr lang="en-US" sz="1000" dirty="0" err="1"/>
+              <a:t>ActiveFrames</a:t>
             </a:r>
             <a:endParaRPr lang="pt-BR" sz="1000" dirty="0"/>
           </a:p>
